--- a/ASTR-501/Repository_Presentation.pptx
+++ b/ASTR-501/Repository_Presentation.pptx
@@ -111,6 +111,11 @@
       </a:defRPr>
     </a:lvl9pPr>
   </p:defaultTextStyle>
+  <p:extLst>
+    <p:ext uri="{EFAFB233-063F-42B5-8137-9DF3F51BA10A}">
+      <p15:sldGuideLst xmlns:p15="http://schemas.microsoft.com/office/powerpoint/2012/main"/>
+    </p:ext>
+  </p:extLst>
 </p:presentation>
 </file>
 
@@ -305,7 +310,7 @@
           <a:p>
             <a:fld id="{0AC0C492-25D6-44A0-94D2-78A4923E5D91}" type="datetimeFigureOut">
               <a:rPr lang="en-US" smtClean="0"/>
-              <a:t>10/10/2023</a:t>
+              <a:t>10/11/2023</a:t>
             </a:fld>
             <a:endParaRPr lang="en-US"/>
           </a:p>
@@ -515,7 +520,7 @@
           <a:p>
             <a:fld id="{0AC0C492-25D6-44A0-94D2-78A4923E5D91}" type="datetimeFigureOut">
               <a:rPr lang="en-US" smtClean="0"/>
-              <a:t>10/10/2023</a:t>
+              <a:t>10/11/2023</a:t>
             </a:fld>
             <a:endParaRPr lang="en-US"/>
           </a:p>
@@ -695,7 +700,7 @@
           <a:p>
             <a:fld id="{0AC0C492-25D6-44A0-94D2-78A4923E5D91}" type="datetimeFigureOut">
               <a:rPr lang="en-US" smtClean="0"/>
-              <a:t>10/10/2023</a:t>
+              <a:t>10/11/2023</a:t>
             </a:fld>
             <a:endParaRPr lang="en-US"/>
           </a:p>
@@ -865,7 +870,7 @@
           <a:p>
             <a:fld id="{0AC0C492-25D6-44A0-94D2-78A4923E5D91}" type="datetimeFigureOut">
               <a:rPr lang="en-US" smtClean="0"/>
-              <a:t>10/10/2023</a:t>
+              <a:t>10/11/2023</a:t>
             </a:fld>
             <a:endParaRPr lang="en-US"/>
           </a:p>
@@ -1119,7 +1124,7 @@
           <a:p>
             <a:fld id="{0AC0C492-25D6-44A0-94D2-78A4923E5D91}" type="datetimeFigureOut">
               <a:rPr lang="en-US" smtClean="0"/>
-              <a:t>10/10/2023</a:t>
+              <a:t>10/11/2023</a:t>
             </a:fld>
             <a:endParaRPr lang="en-US"/>
           </a:p>
@@ -1445,7 +1450,7 @@
           <a:p>
             <a:fld id="{0AC0C492-25D6-44A0-94D2-78A4923E5D91}" type="datetimeFigureOut">
               <a:rPr lang="en-US" smtClean="0"/>
-              <a:t>10/10/2023</a:t>
+              <a:t>10/11/2023</a:t>
             </a:fld>
             <a:endParaRPr lang="en-US"/>
           </a:p>
@@ -1896,7 +1901,7 @@
           <a:p>
             <a:fld id="{0AC0C492-25D6-44A0-94D2-78A4923E5D91}" type="datetimeFigureOut">
               <a:rPr lang="en-US" smtClean="0"/>
-              <a:t>10/10/2023</a:t>
+              <a:t>10/11/2023</a:t>
             </a:fld>
             <a:endParaRPr lang="en-US"/>
           </a:p>
@@ -2014,7 +2019,7 @@
           <a:p>
             <a:fld id="{0AC0C492-25D6-44A0-94D2-78A4923E5D91}" type="datetimeFigureOut">
               <a:rPr lang="en-US" smtClean="0"/>
-              <a:t>10/10/2023</a:t>
+              <a:t>10/11/2023</a:t>
             </a:fld>
             <a:endParaRPr lang="en-US"/>
           </a:p>
@@ -2109,7 +2114,7 @@
           <a:p>
             <a:fld id="{0AC0C492-25D6-44A0-94D2-78A4923E5D91}" type="datetimeFigureOut">
               <a:rPr lang="en-US" smtClean="0"/>
-              <a:t>10/10/2023</a:t>
+              <a:t>10/11/2023</a:t>
             </a:fld>
             <a:endParaRPr lang="en-US"/>
           </a:p>
@@ -2396,7 +2401,7 @@
           <a:p>
             <a:fld id="{0AC0C492-25D6-44A0-94D2-78A4923E5D91}" type="datetimeFigureOut">
               <a:rPr lang="en-US" smtClean="0"/>
-              <a:t>10/10/2023</a:t>
+              <a:t>10/11/2023</a:t>
             </a:fld>
             <a:endParaRPr lang="en-US"/>
           </a:p>
@@ -2714,7 +2719,7 @@
           <a:p>
             <a:fld id="{0AC0C492-25D6-44A0-94D2-78A4923E5D91}" type="datetimeFigureOut">
               <a:rPr lang="en-US" smtClean="0"/>
-              <a:t>10/10/2023</a:t>
+              <a:t>10/11/2023</a:t>
             </a:fld>
             <a:endParaRPr lang="en-US"/>
           </a:p>
@@ -2966,7 +2971,7 @@
           <a:p>
             <a:fld id="{0AC0C492-25D6-44A0-94D2-78A4923E5D91}" type="datetimeFigureOut">
               <a:rPr lang="en-US" smtClean="0"/>
-              <a:t>10/10/2023</a:t>
+              <a:t>10/11/2023</a:t>
             </a:fld>
             <a:endParaRPr lang="en-US"/>
           </a:p>
